--- a/#01 - Overview Bootcamp Java Developer.pptx
+++ b/#01 - Overview Bootcamp Java Developer.pptx
@@ -13,6 +13,7 @@
     <p:sldId id="258" r:id="rId8"/>
     <p:sldId id="259" r:id="rId9"/>
     <p:sldId id="264" r:id="rId10"/>
+    <p:sldId id="267" r:id="rId11"/>
   </p:sldIdLst>
   <p:sldSz cx="12192000" cy="6858000"/>
   <p:notesSz cx="6858000" cy="9144000"/>
@@ -7381,6 +7382,97 @@
 </p:sld>
 </file>
 
+<file path=ppt/slides/slide9.xml><?xml version="1.0" encoding="utf-8"?>
+<p:sld xmlns:a="http://schemas.openxmlformats.org/drawingml/2006/main" xmlns:r="http://schemas.openxmlformats.org/officeDocument/2006/relationships" xmlns:p="http://schemas.openxmlformats.org/presentationml/2006/main">
+  <p:cSld>
+    <p:spTree>
+      <p:nvGrpSpPr>
+        <p:cNvPr id="1" name=""/>
+        <p:cNvGrpSpPr/>
+        <p:nvPr/>
+      </p:nvGrpSpPr>
+      <p:grpSpPr/>
+      <p:sp>
+        <p:nvSpPr>
+          <p:cNvPr id="2" name="Title 1"/>
+          <p:cNvSpPr>
+            <a:spLocks noGrp="1"/>
+          </p:cNvSpPr>
+          <p:nvPr>
+            <p:ph type="title"/>
+          </p:nvPr>
+        </p:nvSpPr>
+        <p:spPr/>
+        <p:txBody>
+          <a:bodyPr/>
+          <a:p>
+            <a:r>
+              <a:rPr lang="en-US" altLang="en-GB"/>
+              <a:t>Project Akhir</a:t>
+            </a:r>
+            <a:endParaRPr lang="en-US" altLang="en-GB"/>
+          </a:p>
+        </p:txBody>
+      </p:sp>
+      <p:sp>
+        <p:nvSpPr>
+          <p:cNvPr id="3" name="Content Placeholder 2"/>
+          <p:cNvSpPr>
+            <a:spLocks noGrp="1"/>
+          </p:cNvSpPr>
+          <p:nvPr>
+            <p:ph sz="half" idx="1"/>
+          </p:nvPr>
+        </p:nvSpPr>
+        <p:spPr>
+          <a:xfrm>
+            <a:off x="677545" y="2160905"/>
+            <a:ext cx="5575300" cy="3880485"/>
+          </a:xfrm>
+        </p:spPr>
+        <p:txBody>
+          <a:bodyPr/>
+          <a:p>
+            <a:r>
+              <a:rPr lang="en-US" altLang="en-GB"/>
+              <a:t>Membuat aplikasi sederhana untuk perbankan dengan modul</a:t>
+            </a:r>
+            <a:endParaRPr lang="en-US" altLang="en-GB"/>
+          </a:p>
+          <a:p>
+            <a:pPr lvl="1"/>
+            <a:r>
+              <a:rPr lang="en-US" altLang="en-GB"/>
+              <a:t>Tabungan</a:t>
+            </a:r>
+            <a:endParaRPr lang="en-US" altLang="en-GB"/>
+          </a:p>
+          <a:p>
+            <a:pPr lvl="1"/>
+            <a:r>
+              <a:rPr lang="en-US" altLang="en-GB"/>
+              <a:t>Deposito</a:t>
+            </a:r>
+            <a:endParaRPr lang="en-US" altLang="en-GB"/>
+          </a:p>
+          <a:p>
+            <a:pPr lvl="1"/>
+            <a:r>
+              <a:rPr lang="en-US" altLang="en-GB"/>
+              <a:t>Kredit</a:t>
+            </a:r>
+            <a:endParaRPr lang="en-US" altLang="en-GB"/>
+          </a:p>
+        </p:txBody>
+      </p:sp>
+    </p:spTree>
+  </p:cSld>
+  <p:clrMapOvr>
+    <a:masterClrMapping/>
+  </p:clrMapOvr>
+</p:sld>
+</file>
+
 <file path=ppt/theme/theme1.xml><?xml version="1.0" encoding="utf-8"?>
 <a:theme xmlns:a="http://schemas.openxmlformats.org/drawingml/2006/main" name="Facet">
   <a:themeElements>
